--- a/Posters/Josue-Mirtil.pptx.pptx
+++ b/Posters/Josue-Mirtil.pptx.pptx
@@ -214,6 +214,11 @@
       </a:defRPr>
     </a:lvl9pPr>
   </p:defaultTextStyle>
+  <p:extLst>
+    <p:ext uri="{EFAFB233-063F-42B5-8137-9DF3F51BA10A}">
+      <p15:sldGuideLst xmlns:p15="http://schemas.microsoft.com/office/powerpoint/2012/main"/>
+    </p:ext>
+  </p:extLst>
 </p:presentation>
 </file>
 
@@ -16819,16 +16824,24 @@
               <a:buNone/>
             </a:pPr>
             <a:r>
-              <a:rPr lang="en-US" sz="4100" b="1" i="0" u="none" strike="noStrike" cap="none">
+              <a:rPr lang="en-US" sz="4100" b="1" dirty="0">
                 <a:solidFill>
                   <a:srgbClr val="336699"/>
                 </a:solidFill>
-                <a:latin typeface="Arial"/>
-                <a:ea typeface="Arial"/>
-                <a:cs typeface="Arial"/>
-                <a:sym typeface="Arial"/>
               </a:rPr>
-              <a:t>Current System</a:t>
+              <a:t>New </a:t>
+            </a:r>
+            <a:r>
+              <a:rPr lang="en-US" sz="4100" b="1" i="0" u="none" strike="noStrike" cap="none" dirty="0">
+                <a:solidFill>
+                  <a:srgbClr val="336699"/>
+                </a:solidFill>
+                <a:latin typeface="Arial"/>
+                <a:ea typeface="Arial"/>
+                <a:cs typeface="Arial"/>
+                <a:sym typeface="Arial"/>
+              </a:rPr>
+              <a:t>System</a:t>
             </a:r>
           </a:p>
           <a:p>
@@ -16844,7 +16857,7 @@
               </a:spcAft>
               <a:buNone/>
             </a:pPr>
-            <a:endParaRPr/>
+            <a:endParaRPr dirty="0"/>
           </a:p>
           <a:p>
             <a:pPr marL="457200" marR="0" lvl="0" indent="-488950" algn="l" rtl="0">
@@ -16864,7 +16877,7 @@
               <a:buChar char="●"/>
             </a:pPr>
             <a:r>
-              <a:rPr lang="en-US" sz="4100" b="1">
+              <a:rPr lang="en-US" sz="4100" dirty="0">
                 <a:solidFill>
                   <a:srgbClr val="336699"/>
                 </a:solidFill>
@@ -16890,7 +16903,7 @@
               <a:buChar char="●"/>
             </a:pPr>
             <a:r>
-              <a:rPr lang="en-US" sz="4100" b="1">
+              <a:rPr lang="en-US" sz="4100" dirty="0">
                 <a:solidFill>
                   <a:srgbClr val="336699"/>
                 </a:solidFill>
@@ -16916,7 +16929,7 @@
               <a:buChar char="●"/>
             </a:pPr>
             <a:r>
-              <a:rPr lang="en-US" sz="4100" b="1">
+              <a:rPr lang="en-US" sz="4100" dirty="0">
                 <a:solidFill>
                   <a:srgbClr val="336699"/>
                 </a:solidFill>
@@ -16977,7 +16990,7 @@
               <a:buNone/>
             </a:pPr>
             <a:r>
-              <a:rPr lang="en-US" sz="4100" b="1" i="0" u="none" strike="noStrike" cap="none">
+              <a:rPr lang="en-US" sz="4100" b="1" i="0" u="none" strike="noStrike" cap="none" dirty="0">
                 <a:solidFill>
                   <a:srgbClr val="336699"/>
                 </a:solidFill>
@@ -17007,7 +17020,7 @@
               <a:buChar char="●"/>
             </a:pPr>
             <a:r>
-              <a:rPr lang="en-US" sz="4100" b="1">
+              <a:rPr lang="en-US" sz="4100" dirty="0">
                 <a:solidFill>
                   <a:srgbClr val="336699"/>
                 </a:solidFill>
@@ -17032,7 +17045,7 @@
               <a:buFont typeface="Arial"/>
               <a:buNone/>
             </a:pPr>
-            <a:endParaRPr/>
+            <a:endParaRPr dirty="0"/>
           </a:p>
           <a:p>
             <a:pPr marL="0" marR="0" lvl="0" indent="0" algn="ctr" rtl="0">
@@ -17051,7 +17064,7 @@
               <a:buFont typeface="Arial"/>
               <a:buNone/>
             </a:pPr>
-            <a:endParaRPr sz="4100" b="1" i="0" u="none" strike="noStrike" cap="none">
+            <a:endParaRPr sz="4100" b="1" i="0" u="none" strike="noStrike" cap="none" dirty="0">
               <a:solidFill>
                 <a:srgbClr val="336699"/>
               </a:solidFill>
@@ -17114,7 +17127,7 @@
               <a:buNone/>
             </a:pPr>
             <a:r>
-              <a:rPr lang="en-US" sz="4100" b="1" i="0" u="none" strike="noStrike" cap="none">
+              <a:rPr lang="en-US" sz="4100" b="1" i="0" u="none" strike="noStrike" cap="none" dirty="0">
                 <a:solidFill>
                   <a:srgbClr val="336699"/>
                 </a:solidFill>
@@ -17143,7 +17156,7 @@
               <a:buFont typeface="Arial"/>
               <a:buNone/>
             </a:pPr>
-            <a:endParaRPr sz="4100" b="1">
+            <a:endParaRPr sz="4100" b="1" dirty="0">
               <a:solidFill>
                 <a:srgbClr val="336699"/>
               </a:solidFill>
@@ -17166,7 +17179,7 @@
               <a:buFont typeface="Arial"/>
               <a:buNone/>
             </a:pPr>
-            <a:endParaRPr sz="4100" b="1">
+            <a:endParaRPr sz="4100" b="1" dirty="0">
               <a:solidFill>
                 <a:srgbClr val="336699"/>
               </a:solidFill>
@@ -17189,7 +17202,7 @@
               <a:buFont typeface="Arial"/>
               <a:buNone/>
             </a:pPr>
-            <a:endParaRPr sz="4100" b="1">
+            <a:endParaRPr sz="4100" b="1" dirty="0">
               <a:solidFill>
                 <a:srgbClr val="336699"/>
               </a:solidFill>
@@ -17212,7 +17225,7 @@
               <a:buFont typeface="Arial"/>
               <a:buNone/>
             </a:pPr>
-            <a:endParaRPr sz="4100" b="1">
+            <a:endParaRPr sz="4100" b="1" dirty="0">
               <a:solidFill>
                 <a:srgbClr val="336699"/>
               </a:solidFill>
@@ -17235,7 +17248,7 @@
               <a:buFont typeface="Arial"/>
               <a:buNone/>
             </a:pPr>
-            <a:endParaRPr sz="4100" b="1">
+            <a:endParaRPr sz="4100" b="1" dirty="0">
               <a:solidFill>
                 <a:srgbClr val="336699"/>
               </a:solidFill>
@@ -17258,7 +17271,7 @@
               <a:buFont typeface="Arial"/>
               <a:buNone/>
             </a:pPr>
-            <a:endParaRPr sz="4100" b="1">
+            <a:endParaRPr sz="4100" b="1" dirty="0">
               <a:solidFill>
                 <a:srgbClr val="336699"/>
               </a:solidFill>
@@ -17281,7 +17294,7 @@
               <a:buFont typeface="Arial"/>
               <a:buNone/>
             </a:pPr>
-            <a:endParaRPr sz="4100" b="1">
+            <a:endParaRPr sz="4100" b="1" dirty="0">
               <a:solidFill>
                 <a:srgbClr val="336699"/>
               </a:solidFill>
@@ -17304,7 +17317,7 @@
               <a:buFont typeface="Arial"/>
               <a:buNone/>
             </a:pPr>
-            <a:endParaRPr sz="4100" b="1">
+            <a:endParaRPr sz="4100" b="1" dirty="0">
               <a:solidFill>
                 <a:srgbClr val="336699"/>
               </a:solidFill>
@@ -17327,7 +17340,7 @@
               <a:buFont typeface="Arial"/>
               <a:buNone/>
             </a:pPr>
-            <a:endParaRPr sz="4100" b="1">
+            <a:endParaRPr sz="4100" b="1" dirty="0">
               <a:solidFill>
                 <a:srgbClr val="336699"/>
               </a:solidFill>
@@ -17350,7 +17363,7 @@
               <a:buFont typeface="Arial"/>
               <a:buNone/>
             </a:pPr>
-            <a:endParaRPr sz="4100" b="1">
+            <a:endParaRPr sz="4100" b="1" dirty="0">
               <a:solidFill>
                 <a:srgbClr val="336699"/>
               </a:solidFill>
@@ -17375,7 +17388,7 @@
               <a:buNone/>
             </a:pPr>
             <a:r>
-              <a:rPr lang="en-US" sz="4100" b="1">
+              <a:rPr lang="en-US" sz="4100" dirty="0">
                 <a:solidFill>
                   <a:srgbClr val="336699"/>
                 </a:solidFill>
@@ -17436,7 +17449,7 @@
               <a:buNone/>
             </a:pPr>
             <a:r>
-              <a:rPr lang="en-US" sz="4100" b="1" i="0" u="none" strike="noStrike" cap="none">
+              <a:rPr lang="en-US" sz="4100" b="1" i="0" u="none" strike="noStrike" cap="none" dirty="0">
                 <a:solidFill>
                   <a:srgbClr val="336699"/>
                 </a:solidFill>
@@ -17465,7 +17478,7 @@
               <a:buFont typeface="Arial"/>
               <a:buNone/>
             </a:pPr>
-            <a:endParaRPr sz="4100" b="1">
+            <a:endParaRPr sz="4100" b="1" dirty="0">
               <a:solidFill>
                 <a:srgbClr val="336699"/>
               </a:solidFill>
@@ -17488,7 +17501,7 @@
               <a:buFont typeface="Arial"/>
               <a:buNone/>
             </a:pPr>
-            <a:endParaRPr sz="4100" b="1">
+            <a:endParaRPr sz="4100" b="1" dirty="0">
               <a:solidFill>
                 <a:srgbClr val="336699"/>
               </a:solidFill>
@@ -17511,7 +17524,7 @@
               <a:buFont typeface="Arial"/>
               <a:buNone/>
             </a:pPr>
-            <a:endParaRPr sz="4100" b="1">
+            <a:endParaRPr sz="4100" b="1" dirty="0">
               <a:solidFill>
                 <a:srgbClr val="336699"/>
               </a:solidFill>
@@ -17534,7 +17547,7 @@
               <a:buFont typeface="Arial"/>
               <a:buNone/>
             </a:pPr>
-            <a:endParaRPr sz="4100" b="1">
+            <a:endParaRPr sz="4100" b="1" dirty="0">
               <a:solidFill>
                 <a:srgbClr val="336699"/>
               </a:solidFill>
@@ -17557,7 +17570,7 @@
               <a:buFont typeface="Arial"/>
               <a:buNone/>
             </a:pPr>
-            <a:endParaRPr sz="4100" b="1">
+            <a:endParaRPr sz="4100" b="1" dirty="0">
               <a:solidFill>
                 <a:srgbClr val="336699"/>
               </a:solidFill>
@@ -17580,7 +17593,7 @@
               <a:buFont typeface="Arial"/>
               <a:buNone/>
             </a:pPr>
-            <a:endParaRPr sz="4100" b="1">
+            <a:endParaRPr sz="4100" b="1" dirty="0">
               <a:solidFill>
                 <a:srgbClr val="336699"/>
               </a:solidFill>
@@ -17603,7 +17616,7 @@
               <a:buFont typeface="Arial"/>
               <a:buNone/>
             </a:pPr>
-            <a:endParaRPr sz="4100" b="1">
+            <a:endParaRPr sz="4100" b="1" dirty="0">
               <a:solidFill>
                 <a:srgbClr val="336699"/>
               </a:solidFill>
@@ -17626,7 +17639,7 @@
               <a:buFont typeface="Arial"/>
               <a:buNone/>
             </a:pPr>
-            <a:endParaRPr sz="4100" b="1">
+            <a:endParaRPr sz="4100" b="1" dirty="0">
               <a:solidFill>
                 <a:srgbClr val="336699"/>
               </a:solidFill>
@@ -17649,7 +17662,7 @@
               <a:buFont typeface="Arial"/>
               <a:buNone/>
             </a:pPr>
-            <a:endParaRPr sz="4100" b="1">
+            <a:endParaRPr sz="4100" b="1" dirty="0">
               <a:solidFill>
                 <a:srgbClr val="336699"/>
               </a:solidFill>
@@ -17674,7 +17687,7 @@
               <a:buNone/>
             </a:pPr>
             <a:r>
-              <a:rPr lang="en-US" sz="4100" b="1">
+              <a:rPr lang="en-US" sz="4100" dirty="0">
                 <a:solidFill>
                   <a:srgbClr val="336699"/>
                 </a:solidFill>
@@ -17735,7 +17748,7 @@
               <a:buNone/>
             </a:pPr>
             <a:r>
-              <a:rPr lang="en-US" sz="4100" b="1" i="0" u="none" strike="noStrike" cap="none">
+              <a:rPr lang="en-US" sz="4100" b="1" i="0" u="none" strike="noStrike" cap="none" dirty="0">
                 <a:solidFill>
                   <a:srgbClr val="336699"/>
                 </a:solidFill>
@@ -17764,7 +17777,7 @@
               <a:buFont typeface="Arial"/>
               <a:buNone/>
             </a:pPr>
-            <a:endParaRPr/>
+            <a:endParaRPr dirty="0"/>
           </a:p>
           <a:p>
             <a:pPr marL="457200" marR="0" lvl="0" indent="-488950" algn="l" rtl="0">
@@ -17784,7 +17797,33 @@
               <a:buChar char="●"/>
             </a:pPr>
             <a:r>
-              <a:rPr lang="en-US" sz="4100" b="1">
+              <a:rPr lang="en-US" sz="4100" dirty="0">
+                <a:solidFill>
+                  <a:srgbClr val="336699"/>
+                </a:solidFill>
+              </a:rPr>
+              <a:t>The program was written MQL5.</a:t>
+            </a:r>
+          </a:p>
+          <a:p>
+            <a:pPr marL="457200" marR="0" lvl="0" indent="-488950" algn="l" rtl="0">
+              <a:lnSpc>
+                <a:spcPct val="100000"/>
+              </a:lnSpc>
+              <a:spcBef>
+                <a:spcPts val="0"/>
+              </a:spcBef>
+              <a:spcAft>
+                <a:spcPts val="0"/>
+              </a:spcAft>
+              <a:buClr>
+                <a:srgbClr val="336699"/>
+              </a:buClr>
+              <a:buSzPct val="100000"/>
+              <a:buChar char="●"/>
+            </a:pPr>
+            <a:r>
+              <a:rPr lang="en-US" sz="4100" dirty="0">
                 <a:solidFill>
                   <a:srgbClr val="336699"/>
                 </a:solidFill>
@@ -17810,7 +17849,7 @@
               <a:buChar char="●"/>
             </a:pPr>
             <a:r>
-              <a:rPr lang="en-US" sz="4100" b="1">
+              <a:rPr lang="en-US" sz="4100" dirty="0">
                 <a:solidFill>
                   <a:srgbClr val="336699"/>
                 </a:solidFill>
@@ -17836,13 +17875,50 @@
               <a:buChar char="○"/>
             </a:pPr>
             <a:r>
-              <a:rPr lang="en-US" sz="4100" b="1">
+              <a:rPr lang="en-US" sz="4100" dirty="0" err="1">
                 <a:solidFill>
                   <a:srgbClr val="336699"/>
                 </a:solidFill>
               </a:rPr>
-              <a:t>Heiken Ashi, EMA Trend, MACD, and Renko</a:t>
+              <a:t>Heiken</a:t>
             </a:r>
+            <a:r>
+              <a:rPr lang="en-US" sz="4100" dirty="0">
+                <a:solidFill>
+                  <a:srgbClr val="336699"/>
+                </a:solidFill>
+              </a:rPr>
+              <a:t> </a:t>
+            </a:r>
+            <a:r>
+              <a:rPr lang="en-US" sz="4100" dirty="0" err="1">
+                <a:solidFill>
+                  <a:srgbClr val="336699"/>
+                </a:solidFill>
+              </a:rPr>
+              <a:t>Ashi</a:t>
+            </a:r>
+            <a:r>
+              <a:rPr lang="en-US" sz="4100" dirty="0">
+                <a:solidFill>
+                  <a:srgbClr val="336699"/>
+                </a:solidFill>
+              </a:rPr>
+              <a:t>, EMA Trend, MACD, and </a:t>
+            </a:r>
+            <a:r>
+              <a:rPr lang="en-US" sz="4100" dirty="0" err="1">
+                <a:solidFill>
+                  <a:srgbClr val="336699"/>
+                </a:solidFill>
+              </a:rPr>
+              <a:t>Renko</a:t>
+            </a:r>
+            <a:endParaRPr lang="en-US" sz="4100" dirty="0">
+              <a:solidFill>
+                <a:srgbClr val="336699"/>
+              </a:solidFill>
+            </a:endParaRPr>
           </a:p>
           <a:p>
             <a:pPr marL="457200" marR="0" lvl="0" indent="-488950" algn="l" rtl="0">
@@ -17862,7 +17938,7 @@
               <a:buChar char="●"/>
             </a:pPr>
             <a:r>
-              <a:rPr lang="en-US" sz="4100" b="1">
+              <a:rPr lang="en-US" sz="4100" dirty="0">
                 <a:solidFill>
                   <a:srgbClr val="336699"/>
                 </a:solidFill>
@@ -17923,7 +17999,7 @@
               <a:buNone/>
             </a:pPr>
             <a:r>
-              <a:rPr lang="en-US" sz="4100" b="1">
+              <a:rPr lang="en-US" sz="4100" b="1" dirty="0">
                 <a:solidFill>
                   <a:srgbClr val="336699"/>
                 </a:solidFill>
@@ -17949,7 +18025,7 @@
               <a:buChar char="●"/>
             </a:pPr>
             <a:r>
-              <a:rPr lang="en-US" sz="4100" b="1">
+              <a:rPr lang="en-US" sz="4100" dirty="0">
                 <a:solidFill>
                   <a:srgbClr val="336699"/>
                 </a:solidFill>
@@ -17975,7 +18051,7 @@
               <a:buChar char="●"/>
             </a:pPr>
             <a:r>
-              <a:rPr lang="en-US" sz="4100" b="1">
+              <a:rPr lang="en-US" sz="4100" dirty="0">
                 <a:solidFill>
                   <a:srgbClr val="336699"/>
                 </a:solidFill>
@@ -18000,8 +18076,123 @@
               <a:buSzPct val="100000"/>
               <a:buChar char="●"/>
             </a:pPr>
+            <a:endParaRPr lang="en-US" sz="4100" dirty="0">
+              <a:solidFill>
+                <a:srgbClr val="336699"/>
+              </a:solidFill>
+            </a:endParaRPr>
+          </a:p>
+          <a:p>
+            <a:pPr marL="457200" marR="0" lvl="0" indent="-488950" algn="l" rtl="0">
+              <a:lnSpc>
+                <a:spcPct val="100000"/>
+              </a:lnSpc>
+              <a:spcBef>
+                <a:spcPts val="0"/>
+              </a:spcBef>
+              <a:spcAft>
+                <a:spcPts val="0"/>
+              </a:spcAft>
+              <a:buClr>
+                <a:srgbClr val="336699"/>
+              </a:buClr>
+              <a:buSzPct val="100000"/>
+              <a:buChar char="●"/>
+            </a:pPr>
+            <a:endParaRPr lang="en-US" sz="4100" dirty="0">
+              <a:solidFill>
+                <a:srgbClr val="336699"/>
+              </a:solidFill>
+            </a:endParaRPr>
+          </a:p>
+          <a:p>
+            <a:pPr marL="457200" marR="0" lvl="0" indent="-488950" algn="l" rtl="0">
+              <a:lnSpc>
+                <a:spcPct val="100000"/>
+              </a:lnSpc>
+              <a:spcBef>
+                <a:spcPts val="0"/>
+              </a:spcBef>
+              <a:spcAft>
+                <a:spcPts val="0"/>
+              </a:spcAft>
+              <a:buClr>
+                <a:srgbClr val="336699"/>
+              </a:buClr>
+              <a:buSzPct val="100000"/>
+              <a:buChar char="●"/>
+            </a:pPr>
+            <a:endParaRPr lang="en-US" sz="4100" dirty="0">
+              <a:solidFill>
+                <a:srgbClr val="336699"/>
+              </a:solidFill>
+            </a:endParaRPr>
+          </a:p>
+          <a:p>
+            <a:pPr marL="457200" marR="0" lvl="0" indent="-488950" algn="l" rtl="0">
+              <a:lnSpc>
+                <a:spcPct val="100000"/>
+              </a:lnSpc>
+              <a:spcBef>
+                <a:spcPts val="0"/>
+              </a:spcBef>
+              <a:spcAft>
+                <a:spcPts val="0"/>
+              </a:spcAft>
+              <a:buClr>
+                <a:srgbClr val="336699"/>
+              </a:buClr>
+              <a:buSzPct val="100000"/>
+              <a:buChar char="●"/>
+            </a:pPr>
+            <a:endParaRPr lang="en-US" sz="4100" dirty="0">
+              <a:solidFill>
+                <a:srgbClr val="336699"/>
+              </a:solidFill>
+            </a:endParaRPr>
+          </a:p>
+          <a:p>
+            <a:pPr marL="457200" marR="0" lvl="0" indent="-488950" algn="l" rtl="0">
+              <a:lnSpc>
+                <a:spcPct val="100000"/>
+              </a:lnSpc>
+              <a:spcBef>
+                <a:spcPts val="0"/>
+              </a:spcBef>
+              <a:spcAft>
+                <a:spcPts val="0"/>
+              </a:spcAft>
+              <a:buClr>
+                <a:srgbClr val="336699"/>
+              </a:buClr>
+              <a:buSzPct val="100000"/>
+              <a:buChar char="●"/>
+            </a:pPr>
+            <a:endParaRPr lang="en-US" sz="4100" dirty="0">
+              <a:solidFill>
+                <a:srgbClr val="336699"/>
+              </a:solidFill>
+            </a:endParaRPr>
+          </a:p>
+          <a:p>
+            <a:pPr marL="457200" marR="0" lvl="0" indent="-488950" algn="l" rtl="0">
+              <a:lnSpc>
+                <a:spcPct val="100000"/>
+              </a:lnSpc>
+              <a:spcBef>
+                <a:spcPts val="0"/>
+              </a:spcBef>
+              <a:spcAft>
+                <a:spcPts val="0"/>
+              </a:spcAft>
+              <a:buClr>
+                <a:srgbClr val="336699"/>
+              </a:buClr>
+              <a:buSzPct val="100000"/>
+              <a:buChar char="●"/>
+            </a:pPr>
             <a:r>
-              <a:rPr lang="en-US" sz="4100" b="1">
+              <a:rPr lang="en-US" sz="4100" dirty="0">
                 <a:solidFill>
                   <a:srgbClr val="336699"/>
                 </a:solidFill>
@@ -18158,7 +18349,7 @@
               <a:buNone/>
             </a:pPr>
             <a:r>
-              <a:rPr lang="en-US" sz="4100" b="1" i="0" u="none" strike="noStrike" cap="none">
+              <a:rPr lang="en-US" sz="4100" b="1" i="0" u="none" strike="noStrike" cap="none" dirty="0">
                 <a:solidFill>
                   <a:srgbClr val="336699"/>
                 </a:solidFill>
@@ -18188,38 +18379,12 @@
               <a:buChar char="●"/>
             </a:pPr>
             <a:r>
-              <a:rPr lang="en-US" sz="4100">
+              <a:rPr lang="en-US" sz="4100" dirty="0">
                 <a:solidFill>
                   <a:srgbClr val="336699"/>
                 </a:solidFill>
               </a:rPr>
-              <a:t>The following were developed by Josue Mirtil:</a:t>
-            </a:r>
-          </a:p>
-          <a:p>
-            <a:pPr marL="914400" marR="0" lvl="1" indent="-488950" algn="l" rtl="0">
-              <a:lnSpc>
-                <a:spcPct val="100000"/>
-              </a:lnSpc>
-              <a:spcBef>
-                <a:spcPts val="0"/>
-              </a:spcBef>
-              <a:spcAft>
-                <a:spcPts val="0"/>
-              </a:spcAft>
-              <a:buClr>
-                <a:srgbClr val="336699"/>
-              </a:buClr>
-              <a:buSzPct val="100000"/>
-              <a:buChar char="○"/>
-            </a:pPr>
-            <a:r>
-              <a:rPr lang="en-US" sz="4100">
-                <a:solidFill>
-                  <a:srgbClr val="336699"/>
-                </a:solidFill>
-              </a:rPr>
-              <a:t>ZoneRecoveryExpert, SignalZoneRecovery, iHeiken_Ashi, and iRenko .</a:t>
+              <a:t>This system follows the Zone Recovery Algorithm created by Joseph Nemeth.</a:t>
             </a:r>
           </a:p>
           <a:p>
@@ -18240,38 +18405,12 @@
               <a:buChar char="●"/>
             </a:pPr>
             <a:r>
-              <a:rPr lang="en-US" sz="4100">
+              <a:rPr lang="en-US" sz="4100" dirty="0">
                 <a:solidFill>
                   <a:srgbClr val="336699"/>
                 </a:solidFill>
               </a:rPr>
-              <a:t>Unimplement features include:</a:t>
-            </a:r>
-          </a:p>
-          <a:p>
-            <a:pPr marL="914400" marR="0" lvl="1" indent="-488950" algn="l" rtl="0">
-              <a:lnSpc>
-                <a:spcPct val="100000"/>
-              </a:lnSpc>
-              <a:spcBef>
-                <a:spcPts val="0"/>
-              </a:spcBef>
-              <a:spcAft>
-                <a:spcPts val="0"/>
-              </a:spcAft>
-              <a:buClr>
-                <a:srgbClr val="336699"/>
-              </a:buClr>
-              <a:buSzPct val="100000"/>
-              <a:buChar char="○"/>
-            </a:pPr>
-            <a:r>
-              <a:rPr lang="en-US" sz="4100">
-                <a:solidFill>
-                  <a:srgbClr val="336699"/>
-                </a:solidFill>
-              </a:rPr>
-              <a:t>Money Management System</a:t>
+              <a:t>It is event driven because MQL5 programs are event driven by nature.</a:t>
             </a:r>
           </a:p>
           <a:p>
@@ -18291,7 +18430,7 @@
               <a:buFont typeface="Arial"/>
               <a:buNone/>
             </a:pPr>
-            <a:endParaRPr sz="4100" b="1" i="0" u="none" strike="noStrike" cap="none">
+            <a:endParaRPr sz="4100" b="1" i="0" u="none" strike="noStrike" cap="none" dirty="0">
               <a:solidFill>
                 <a:srgbClr val="336699"/>
               </a:solidFill>
@@ -18444,7 +18583,7 @@
               <a:buNone/>
             </a:pPr>
             <a:r>
-              <a:rPr lang="en-US" sz="4100" b="1" i="0" u="none" strike="noStrike" cap="none">
+              <a:rPr lang="en-US" sz="4100" b="1" i="0" u="none" strike="noStrike" cap="none" dirty="0">
                 <a:solidFill>
                   <a:srgbClr val="336699"/>
                 </a:solidFill>
@@ -18475,7 +18614,7 @@
               <a:buChar char="●"/>
             </a:pPr>
             <a:r>
-              <a:rPr lang="en-US" sz="4100">
+              <a:rPr lang="en-US" sz="4100" dirty="0">
                 <a:solidFill>
                   <a:srgbClr val="336699"/>
                 </a:solidFill>
@@ -18501,7 +18640,7 @@
               <a:buChar char="●"/>
             </a:pPr>
             <a:r>
-              <a:rPr lang="en-US" sz="4100">
+              <a:rPr lang="en-US" sz="4100" dirty="0">
                 <a:solidFill>
                   <a:srgbClr val="336699"/>
                 </a:solidFill>
@@ -18526,7 +18665,7 @@
               <a:buFont typeface="Arial"/>
               <a:buNone/>
             </a:pPr>
-            <a:endParaRPr sz="4100" b="0" i="0" u="none" strike="noStrike" cap="none">
+            <a:endParaRPr sz="4100" b="0" i="0" u="none" strike="noStrike" cap="none" dirty="0">
               <a:solidFill>
                 <a:srgbClr val="336699"/>
               </a:solidFill>
@@ -18586,7 +18725,23 @@
                   <a:schemeClr val="dk1"/>
                 </a:solidFill>
               </a:rPr>
-              <a:t>The material presented in this poster is based upon the work supported by Joseph Nemeth </a:t>
+              <a:t>The material presented in this poster is based upon the work supported by Joseph Nemeth. I am thankful for the support of my mentor, Masoud </a:t>
+            </a:r>
+            <a:r>
+              <a:rPr lang="en-US" sz="3600" dirty="0" err="1">
+                <a:solidFill>
+                  <a:schemeClr val="dk1"/>
+                </a:solidFill>
+              </a:rPr>
+              <a:t>Sadjadi</a:t>
+            </a:r>
+            <a:r>
+              <a:rPr lang="en-US" sz="3600" dirty="0">
+                <a:solidFill>
+                  <a:schemeClr val="dk1"/>
+                </a:solidFill>
+              </a:rPr>
+              <a:t>. I am also thankful for the MQL5 community for allowing access to useful indicators.</a:t>
             </a:r>
           </a:p>
           <a:p>
@@ -18835,8 +18990,8 @@
         </p:blipFill>
         <p:spPr>
           <a:xfrm>
-            <a:off x="3490700" y="37691675"/>
-            <a:ext cx="6294700" cy="2452799"/>
+            <a:off x="2976702" y="36303492"/>
+            <a:ext cx="7438148" cy="3138168"/>
           </a:xfrm>
           <a:prstGeom prst="rect">
             <a:avLst/>
